--- a/ppt/GlobalAzure2019-Introduction.pptx
+++ b/ppt/GlobalAzure2019-Introduction.pptx
@@ -6,13 +6,12 @@
     <p:sldMasterId id="2147483660" r:id="rId2"/>
   </p:sldMasterIdLst>
   <p:sldIdLst>
-    <p:sldId id="266" r:id="rId3"/>
-    <p:sldId id="261" r:id="rId4"/>
-    <p:sldId id="263" r:id="rId5"/>
-    <p:sldId id="264" r:id="rId6"/>
-    <p:sldId id="258" r:id="rId7"/>
-    <p:sldId id="259" r:id="rId8"/>
-    <p:sldId id="267" r:id="rId9"/>
+    <p:sldId id="261" r:id="rId3"/>
+    <p:sldId id="263" r:id="rId4"/>
+    <p:sldId id="264" r:id="rId5"/>
+    <p:sldId id="259" r:id="rId6"/>
+    <p:sldId id="267" r:id="rId7"/>
+    <p:sldId id="268" r:id="rId8"/>
   </p:sldIdLst>
   <p:sldSz cx="12192000" cy="6858000"/>
   <p:notesSz cx="6858000" cy="9144000"/>
@@ -3619,203 +3618,6 @@
 </file>
 
 <file path=ppt/slides/slide1.xml><?xml version="1.0" encoding="utf-8"?>
-<p:sld xmlns:a="http://schemas.openxmlformats.org/drawingml/2006/main" xmlns:r="http://schemas.openxmlformats.org/officeDocument/2006/relationships" xmlns:p="http://schemas.openxmlformats.org/presentationml/2006/main" show="0">
-  <p:cSld>
-    <p:spTree>
-      <p:nvGrpSpPr>
-        <p:cNvPr id="1" name=""/>
-        <p:cNvGrpSpPr/>
-        <p:nvPr/>
-      </p:nvGrpSpPr>
-      <p:grpSpPr>
-        <a:xfrm>
-          <a:off x="0" y="0"/>
-          <a:ext cx="0" cy="0"/>
-          <a:chOff x="0" y="0"/>
-          <a:chExt cx="0" cy="0"/>
-        </a:xfrm>
-      </p:grpSpPr>
-      <p:sp>
-        <p:nvSpPr>
-          <p:cNvPr id="4" name="TextBox 3"/>
-          <p:cNvSpPr txBox="1"/>
-          <p:nvPr/>
-        </p:nvSpPr>
-        <p:spPr>
-          <a:xfrm>
-            <a:off x="2888255" y="1950319"/>
-            <a:ext cx="8450305" cy="3693319"/>
-          </a:xfrm>
-          <a:prstGeom prst="rect">
-            <a:avLst/>
-          </a:prstGeom>
-          <a:noFill/>
-        </p:spPr>
-        <p:txBody>
-          <a:bodyPr wrap="square" rtlCol="0">
-            <a:spAutoFit/>
-          </a:bodyPr>
-          <a:lstStyle/>
-          <a:p>
-            <a:r>
-              <a:rPr lang="en-US" dirty="0">
-                <a:solidFill>
-                  <a:schemeClr val="tx1">
-                    <a:lumMod val="95000"/>
-                    <a:lumOff val="5000"/>
-                  </a:schemeClr>
-                </a:solidFill>
-              </a:rPr>
-              <a:t>This deck is an example. Feel free to make it your own. </a:t>
-            </a:r>
-            <a:br>
-              <a:rPr lang="en-US" dirty="0">
-                <a:solidFill>
-                  <a:schemeClr val="tx1">
-                    <a:lumMod val="95000"/>
-                    <a:lumOff val="5000"/>
-                  </a:schemeClr>
-                </a:solidFill>
-              </a:rPr>
-            </a:br>
-            <a:r>
-              <a:rPr lang="en-US" dirty="0">
-                <a:solidFill>
-                  <a:schemeClr val="tx1">
-                    <a:lumMod val="95000"/>
-                    <a:lumOff val="5000"/>
-                  </a:schemeClr>
-                </a:solidFill>
-              </a:rPr>
-              <a:t>Update the first slide with your city and location.</a:t>
-            </a:r>
-          </a:p>
-          <a:p>
-            <a:br>
-              <a:rPr lang="en-US" dirty="0">
-                <a:solidFill>
-                  <a:schemeClr val="tx1">
-                    <a:lumMod val="95000"/>
-                    <a:lumOff val="5000"/>
-                  </a:schemeClr>
-                </a:solidFill>
-              </a:rPr>
-            </a:br>
-            <a:r>
-              <a:rPr lang="en-US" dirty="0">
-                <a:solidFill>
-                  <a:schemeClr val="tx1">
-                    <a:lumMod val="95000"/>
-                    <a:lumOff val="5000"/>
-                  </a:schemeClr>
-                </a:solidFill>
-              </a:rPr>
-              <a:t>Go through every slide in this deck and update/hide them where necessary. But please do not change the slide containing the Global Sponsors and make sure to show that slide. </a:t>
-            </a:r>
-          </a:p>
-          <a:p>
-            <a:endParaRPr lang="en-US" dirty="0">
-              <a:solidFill>
-                <a:schemeClr val="tx1">
-                  <a:lumMod val="95000"/>
-                  <a:lumOff val="5000"/>
-                </a:schemeClr>
-              </a:solidFill>
-            </a:endParaRPr>
-          </a:p>
-          <a:p>
-            <a:r>
-              <a:rPr lang="en-US" dirty="0">
-                <a:solidFill>
-                  <a:schemeClr val="tx1">
-                    <a:lumMod val="95000"/>
-                    <a:lumOff val="5000"/>
-                  </a:schemeClr>
-                </a:solidFill>
-              </a:rPr>
-              <a:t>Verify that your slide show settings have it set to loop this deck. </a:t>
-            </a:r>
-            <a:br>
-              <a:rPr lang="en-US" dirty="0">
-                <a:solidFill>
-                  <a:schemeClr val="tx1">
-                    <a:lumMod val="95000"/>
-                    <a:lumOff val="5000"/>
-                  </a:schemeClr>
-                </a:solidFill>
-              </a:rPr>
-            </a:br>
-            <a:r>
-              <a:rPr lang="en-US" dirty="0">
-                <a:solidFill>
-                  <a:schemeClr val="tx1">
-                    <a:lumMod val="95000"/>
-                    <a:lumOff val="5000"/>
-                  </a:schemeClr>
-                </a:solidFill>
-              </a:rPr>
-              <a:t>Under Slide Show, Set up Slide show, check Loop Continuously.</a:t>
-            </a:r>
-          </a:p>
-          <a:p>
-            <a:endParaRPr lang="en-US" dirty="0">
-              <a:solidFill>
-                <a:schemeClr val="tx1">
-                  <a:lumMod val="95000"/>
-                  <a:lumOff val="5000"/>
-                </a:schemeClr>
-              </a:solidFill>
-            </a:endParaRPr>
-          </a:p>
-          <a:p>
-            <a:r>
-              <a:rPr lang="en-US" dirty="0">
-                <a:solidFill>
-                  <a:schemeClr val="tx1">
-                    <a:lumMod val="95000"/>
-                    <a:lumOff val="5000"/>
-                  </a:schemeClr>
-                </a:solidFill>
-              </a:rPr>
-              <a:t>This slide is hidden. You can remove it or leave it here. </a:t>
-            </a:r>
-          </a:p>
-          <a:p>
-            <a:endParaRPr lang="en-US" dirty="0">
-              <a:solidFill>
-                <a:schemeClr val="tx1">
-                  <a:lumMod val="95000"/>
-                  <a:lumOff val="5000"/>
-                </a:schemeClr>
-              </a:solidFill>
-            </a:endParaRPr>
-          </a:p>
-          <a:p>
-            <a:endParaRPr lang="en-US" dirty="0">
-              <a:solidFill>
-                <a:schemeClr val="tx1">
-                  <a:lumMod val="95000"/>
-                  <a:lumOff val="5000"/>
-                </a:schemeClr>
-              </a:solidFill>
-            </a:endParaRPr>
-          </a:p>
-        </p:txBody>
-      </p:sp>
-    </p:spTree>
-    <p:extLst>
-      <p:ext uri="{BB962C8B-B14F-4D97-AF65-F5344CB8AC3E}">
-        <p14:creationId xmlns:p14="http://schemas.microsoft.com/office/powerpoint/2010/main" val="1614534640"/>
-      </p:ext>
-    </p:extLst>
-  </p:cSld>
-  <p:clrMapOvr>
-    <a:masterClrMapping/>
-  </p:clrMapOvr>
-</p:sld>
-</file>
-
-<file path=ppt/slides/slide2.xml><?xml version="1.0" encoding="utf-8"?>
 <p:sld xmlns:a="http://schemas.openxmlformats.org/drawingml/2006/main" xmlns:r="http://schemas.openxmlformats.org/officeDocument/2006/relationships" xmlns:p="http://schemas.openxmlformats.org/presentationml/2006/main">
   <p:cSld>
     <p:spTree>
@@ -3959,7 +3761,7 @@
 </p:sld>
 </file>
 
-<file path=ppt/slides/slide3.xml><?xml version="1.0" encoding="utf-8"?>
+<file path=ppt/slides/slide2.xml><?xml version="1.0" encoding="utf-8"?>
 <p:sld xmlns:a="http://schemas.openxmlformats.org/drawingml/2006/main" xmlns:r="http://schemas.openxmlformats.org/officeDocument/2006/relationships" xmlns:p="http://schemas.openxmlformats.org/presentationml/2006/main">
   <p:cSld>
     <p:spTree>
@@ -4407,7 +4209,7 @@
 </p:sld>
 </file>
 
-<file path=ppt/slides/slide4.xml><?xml version="1.0" encoding="utf-8"?>
+<file path=ppt/slides/slide3.xml><?xml version="1.0" encoding="utf-8"?>
 <p:sld xmlns:a="http://schemas.openxmlformats.org/drawingml/2006/main" xmlns:r="http://schemas.openxmlformats.org/officeDocument/2006/relationships" xmlns:p="http://schemas.openxmlformats.org/presentationml/2006/main">
   <p:cSld>
     <p:spTree>
@@ -4552,8 +4354,8 @@
 </p:sld>
 </file>
 
-<file path=ppt/slides/slide5.xml><?xml version="1.0" encoding="utf-8"?>
-<p:sld xmlns:a="http://schemas.openxmlformats.org/drawingml/2006/main" xmlns:r="http://schemas.openxmlformats.org/officeDocument/2006/relationships" xmlns:p="http://schemas.openxmlformats.org/presentationml/2006/main" show="0">
+<file path=ppt/slides/slide4.xml><?xml version="1.0" encoding="utf-8"?>
+<p:sld xmlns:a="http://schemas.openxmlformats.org/drawingml/2006/main" xmlns:r="http://schemas.openxmlformats.org/officeDocument/2006/relationships" xmlns:p="http://schemas.openxmlformats.org/presentationml/2006/main">
   <p:cSld>
     <p:spTree>
       <p:nvGrpSpPr>
@@ -4571,7 +4373,7 @@
       </p:grpSpPr>
       <p:sp>
         <p:nvSpPr>
-          <p:cNvPr id="2" name="Text Placeholder 5"/>
+          <p:cNvPr id="3" name="Title 1"/>
           <p:cNvSpPr txBox="1">
             <a:spLocks/>
           </p:cNvSpPr>
@@ -4579,216 +4381,8 @@
         </p:nvSpPr>
         <p:spPr>
           <a:xfrm>
-            <a:off x="668198" y="1657328"/>
-            <a:ext cx="10051154" cy="3988784"/>
-          </a:xfrm>
-          <a:prstGeom prst="rect">
-            <a:avLst/>
-          </a:prstGeom>
-        </p:spPr>
-        <p:txBody>
-          <a:bodyPr vert="horz" lIns="91440" tIns="45720" rIns="91440" bIns="45720" rtlCol="0" anchor="ctr"/>
-          <a:lstStyle>
-            <a:defPPr>
-              <a:defRPr lang="en-US"/>
-            </a:defPPr>
-            <a:lvl1pPr marL="0" algn="l" defTabSz="914400" rtl="0" eaLnBrk="1" latinLnBrk="0" hangingPunct="1">
-              <a:defRPr sz="1200" kern="1200">
-                <a:solidFill>
-                  <a:schemeClr val="tx1">
-                    <a:tint val="75000"/>
-                  </a:schemeClr>
-                </a:solidFill>
-                <a:latin typeface="+mn-lt"/>
-                <a:ea typeface="+mn-ea"/>
-                <a:cs typeface="+mn-cs"/>
-              </a:defRPr>
-            </a:lvl1pPr>
-            <a:lvl2pPr marL="457200" algn="l" defTabSz="914400" rtl="0" eaLnBrk="1" latinLnBrk="0" hangingPunct="1">
-              <a:defRPr sz="1800" kern="1200">
-                <a:solidFill>
-                  <a:schemeClr val="tx1"/>
-                </a:solidFill>
-                <a:latin typeface="+mn-lt"/>
-                <a:ea typeface="+mn-ea"/>
-                <a:cs typeface="+mn-cs"/>
-              </a:defRPr>
-            </a:lvl2pPr>
-            <a:lvl3pPr marL="914400" algn="l" defTabSz="914400" rtl="0" eaLnBrk="1" latinLnBrk="0" hangingPunct="1">
-              <a:defRPr sz="1800" kern="1200">
-                <a:solidFill>
-                  <a:schemeClr val="tx1"/>
-                </a:solidFill>
-                <a:latin typeface="+mn-lt"/>
-                <a:ea typeface="+mn-ea"/>
-                <a:cs typeface="+mn-cs"/>
-              </a:defRPr>
-            </a:lvl3pPr>
-            <a:lvl4pPr marL="1371600" algn="l" defTabSz="914400" rtl="0" eaLnBrk="1" latinLnBrk="0" hangingPunct="1">
-              <a:defRPr sz="1800" kern="1200">
-                <a:solidFill>
-                  <a:schemeClr val="tx1"/>
-                </a:solidFill>
-                <a:latin typeface="+mn-lt"/>
-                <a:ea typeface="+mn-ea"/>
-                <a:cs typeface="+mn-cs"/>
-              </a:defRPr>
-            </a:lvl4pPr>
-            <a:lvl5pPr marL="1828800" algn="l" defTabSz="914400" rtl="0" eaLnBrk="1" latinLnBrk="0" hangingPunct="1">
-              <a:defRPr sz="1800" kern="1200">
-                <a:solidFill>
-                  <a:schemeClr val="tx1"/>
-                </a:solidFill>
-                <a:latin typeface="+mn-lt"/>
-                <a:ea typeface="+mn-ea"/>
-                <a:cs typeface="+mn-cs"/>
-              </a:defRPr>
-            </a:lvl5pPr>
-            <a:lvl6pPr marL="2286000" algn="l" defTabSz="914400" rtl="0" eaLnBrk="1" latinLnBrk="0" hangingPunct="1">
-              <a:defRPr sz="1800" kern="1200">
-                <a:solidFill>
-                  <a:schemeClr val="tx1"/>
-                </a:solidFill>
-                <a:latin typeface="+mn-lt"/>
-                <a:ea typeface="+mn-ea"/>
-                <a:cs typeface="+mn-cs"/>
-              </a:defRPr>
-            </a:lvl6pPr>
-            <a:lvl7pPr marL="2743200" algn="l" defTabSz="914400" rtl="0" eaLnBrk="1" latinLnBrk="0" hangingPunct="1">
-              <a:defRPr sz="1800" kern="1200">
-                <a:solidFill>
-                  <a:schemeClr val="tx1"/>
-                </a:solidFill>
-                <a:latin typeface="+mn-lt"/>
-                <a:ea typeface="+mn-ea"/>
-                <a:cs typeface="+mn-cs"/>
-              </a:defRPr>
-            </a:lvl7pPr>
-            <a:lvl8pPr marL="3200400" algn="l" defTabSz="914400" rtl="0" eaLnBrk="1" latinLnBrk="0" hangingPunct="1">
-              <a:defRPr sz="1800" kern="1200">
-                <a:solidFill>
-                  <a:schemeClr val="tx1"/>
-                </a:solidFill>
-                <a:latin typeface="+mn-lt"/>
-                <a:ea typeface="+mn-ea"/>
-                <a:cs typeface="+mn-cs"/>
-              </a:defRPr>
-            </a:lvl8pPr>
-            <a:lvl9pPr marL="3657600" algn="l" defTabSz="914400" rtl="0" eaLnBrk="1" latinLnBrk="0" hangingPunct="1">
-              <a:defRPr sz="1800" kern="1200">
-                <a:solidFill>
-                  <a:schemeClr val="tx1"/>
-                </a:solidFill>
-                <a:latin typeface="+mn-lt"/>
-                <a:ea typeface="+mn-ea"/>
-                <a:cs typeface="+mn-cs"/>
-              </a:defRPr>
-            </a:lvl9pPr>
-          </a:lstStyle>
-          <a:p>
-            <a:r>
-              <a:rPr lang="en-US" sz="2800" dirty="0">
-                <a:solidFill>
-                  <a:schemeClr val="tx1"/>
-                </a:solidFill>
-              </a:rPr>
-              <a:t>Please connect to the Wi-Fi network</a:t>
-            </a:r>
-          </a:p>
-          <a:p>
-            <a:r>
-              <a:rPr lang="en-US" sz="2800" dirty="0">
-                <a:solidFill>
-                  <a:schemeClr val="tx1"/>
-                </a:solidFill>
-              </a:rPr>
-              <a:t> </a:t>
-            </a:r>
-          </a:p>
-          <a:p>
-            <a:r>
-              <a:rPr lang="en-US" sz="2800" dirty="0">
-                <a:solidFill>
-                  <a:schemeClr val="accent6">
-                    <a:lumMod val="75000"/>
-                  </a:schemeClr>
-                </a:solidFill>
-              </a:rPr>
-              <a:t>Wi-Fi SID: &lt;Enter Name&gt;</a:t>
-            </a:r>
-          </a:p>
-          <a:p>
-            <a:r>
-              <a:rPr lang="en-US" sz="2800" dirty="0">
-                <a:solidFill>
-                  <a:schemeClr val="accent6">
-                    <a:lumMod val="75000"/>
-                  </a:schemeClr>
-                </a:solidFill>
-              </a:rPr>
-              <a:t>User Name: &lt;Enter name&gt;</a:t>
-            </a:r>
-          </a:p>
-          <a:p>
-            <a:r>
-              <a:rPr lang="en-US" sz="2800" dirty="0">
-                <a:solidFill>
-                  <a:schemeClr val="accent6">
-                    <a:lumMod val="75000"/>
-                  </a:schemeClr>
-                </a:solidFill>
-              </a:rPr>
-              <a:t>Password: &lt;Enter password&gt; </a:t>
-            </a:r>
-          </a:p>
-          <a:p>
-            <a:endParaRPr lang="en-US" sz="2800" dirty="0">
-              <a:solidFill>
-                <a:schemeClr val="tx1"/>
-              </a:solidFill>
-            </a:endParaRPr>
-          </a:p>
-          <a:p>
-            <a:r>
-              <a:rPr lang="en-US" sz="2800" dirty="0">
-                <a:solidFill>
-                  <a:schemeClr val="tx1"/>
-                </a:solidFill>
-              </a:rPr>
-              <a:t>You may need to open a browser to connect.</a:t>
-            </a:r>
-          </a:p>
-          <a:p>
-            <a:endParaRPr lang="en-US" sz="2800" dirty="0">
-              <a:solidFill>
-                <a:schemeClr val="tx1"/>
-              </a:solidFill>
-            </a:endParaRPr>
-          </a:p>
-          <a:p>
-            <a:r>
-              <a:rPr lang="en-US" sz="2800" dirty="0">
-                <a:solidFill>
-                  <a:schemeClr val="tx1"/>
-                </a:solidFill>
-              </a:rPr>
-              <a:t>Please share the bandwidth with everyone…. No Netflix, please</a:t>
-            </a:r>
-          </a:p>
-        </p:txBody>
-      </p:sp>
-      <p:sp>
-        <p:nvSpPr>
-          <p:cNvPr id="3" name="Title 6"/>
-          <p:cNvSpPr txBox="1">
-            <a:spLocks/>
-          </p:cNvSpPr>
-          <p:nvPr/>
-        </p:nvSpPr>
-        <p:spPr>
-          <a:xfrm>
-            <a:off x="2027583" y="206332"/>
-            <a:ext cx="9342368" cy="747897"/>
+            <a:off x="2040982" y="206332"/>
+            <a:ext cx="10604474" cy="747897"/>
           </a:xfrm>
           <a:prstGeom prst="rect">
             <a:avLst/>
@@ -4818,7 +4412,7 @@
           <a:p>
             <a:r>
               <a:rPr lang="en-US" dirty="0"/>
-              <a:t>Wi-Fi</a:t>
+              <a:t>2019 GAB Auckland Information Site</a:t>
             </a:r>
           </a:p>
         </p:txBody>
@@ -4864,10 +4458,603 @@
           </a:extLst>
         </p:spPr>
       </p:pic>
+      <p:sp>
+        <p:nvSpPr>
+          <p:cNvPr id="6" name="Text Placeholder 5">
+            <a:extLst>
+              <a:ext uri="{FF2B5EF4-FFF2-40B4-BE49-F238E27FC236}">
+                <a16:creationId xmlns:a16="http://schemas.microsoft.com/office/drawing/2014/main" id="{F2C10BA2-1AD3-422A-981A-4302032501E7}"/>
+              </a:ext>
+            </a:extLst>
+          </p:cNvPr>
+          <p:cNvSpPr txBox="1">
+            <a:spLocks/>
+          </p:cNvSpPr>
+          <p:nvPr/>
+        </p:nvSpPr>
+        <p:spPr>
+          <a:xfrm>
+            <a:off x="668198" y="1657328"/>
+            <a:ext cx="10051154" cy="3988784"/>
+          </a:xfrm>
+          <a:prstGeom prst="rect">
+            <a:avLst/>
+          </a:prstGeom>
+        </p:spPr>
+        <p:txBody>
+          <a:bodyPr vert="horz" lIns="91440" tIns="45720" rIns="91440" bIns="45720" rtlCol="0" anchor="t"/>
+          <a:lstStyle>
+            <a:defPPr>
+              <a:defRPr lang="en-US"/>
+            </a:defPPr>
+            <a:lvl1pPr marL="0" algn="l" defTabSz="914400" rtl="0" eaLnBrk="1" latinLnBrk="0" hangingPunct="1">
+              <a:defRPr sz="1200" kern="1200">
+                <a:solidFill>
+                  <a:schemeClr val="tx1">
+                    <a:tint val="75000"/>
+                  </a:schemeClr>
+                </a:solidFill>
+                <a:latin typeface="+mn-lt"/>
+                <a:ea typeface="+mn-ea"/>
+                <a:cs typeface="+mn-cs"/>
+              </a:defRPr>
+            </a:lvl1pPr>
+            <a:lvl2pPr marL="457200" algn="l" defTabSz="914400" rtl="0" eaLnBrk="1" latinLnBrk="0" hangingPunct="1">
+              <a:defRPr sz="1800" kern="1200">
+                <a:solidFill>
+                  <a:schemeClr val="tx1"/>
+                </a:solidFill>
+                <a:latin typeface="+mn-lt"/>
+                <a:ea typeface="+mn-ea"/>
+                <a:cs typeface="+mn-cs"/>
+              </a:defRPr>
+            </a:lvl2pPr>
+            <a:lvl3pPr marL="914400" algn="l" defTabSz="914400" rtl="0" eaLnBrk="1" latinLnBrk="0" hangingPunct="1">
+              <a:defRPr sz="1800" kern="1200">
+                <a:solidFill>
+                  <a:schemeClr val="tx1"/>
+                </a:solidFill>
+                <a:latin typeface="+mn-lt"/>
+                <a:ea typeface="+mn-ea"/>
+                <a:cs typeface="+mn-cs"/>
+              </a:defRPr>
+            </a:lvl3pPr>
+            <a:lvl4pPr marL="1371600" algn="l" defTabSz="914400" rtl="0" eaLnBrk="1" latinLnBrk="0" hangingPunct="1">
+              <a:defRPr sz="1800" kern="1200">
+                <a:solidFill>
+                  <a:schemeClr val="tx1"/>
+                </a:solidFill>
+                <a:latin typeface="+mn-lt"/>
+                <a:ea typeface="+mn-ea"/>
+                <a:cs typeface="+mn-cs"/>
+              </a:defRPr>
+            </a:lvl4pPr>
+            <a:lvl5pPr marL="1828800" algn="l" defTabSz="914400" rtl="0" eaLnBrk="1" latinLnBrk="0" hangingPunct="1">
+              <a:defRPr sz="1800" kern="1200">
+                <a:solidFill>
+                  <a:schemeClr val="tx1"/>
+                </a:solidFill>
+                <a:latin typeface="+mn-lt"/>
+                <a:ea typeface="+mn-ea"/>
+                <a:cs typeface="+mn-cs"/>
+              </a:defRPr>
+            </a:lvl5pPr>
+            <a:lvl6pPr marL="2286000" algn="l" defTabSz="914400" rtl="0" eaLnBrk="1" latinLnBrk="0" hangingPunct="1">
+              <a:defRPr sz="1800" kern="1200">
+                <a:solidFill>
+                  <a:schemeClr val="tx1"/>
+                </a:solidFill>
+                <a:latin typeface="+mn-lt"/>
+                <a:ea typeface="+mn-ea"/>
+                <a:cs typeface="+mn-cs"/>
+              </a:defRPr>
+            </a:lvl6pPr>
+            <a:lvl7pPr marL="2743200" algn="l" defTabSz="914400" rtl="0" eaLnBrk="1" latinLnBrk="0" hangingPunct="1">
+              <a:defRPr sz="1800" kern="1200">
+                <a:solidFill>
+                  <a:schemeClr val="tx1"/>
+                </a:solidFill>
+                <a:latin typeface="+mn-lt"/>
+                <a:ea typeface="+mn-ea"/>
+                <a:cs typeface="+mn-cs"/>
+              </a:defRPr>
+            </a:lvl7pPr>
+            <a:lvl8pPr marL="3200400" algn="l" defTabSz="914400" rtl="0" eaLnBrk="1" latinLnBrk="0" hangingPunct="1">
+              <a:defRPr sz="1800" kern="1200">
+                <a:solidFill>
+                  <a:schemeClr val="tx1"/>
+                </a:solidFill>
+                <a:latin typeface="+mn-lt"/>
+                <a:ea typeface="+mn-ea"/>
+                <a:cs typeface="+mn-cs"/>
+              </a:defRPr>
+            </a:lvl8pPr>
+            <a:lvl9pPr marL="3657600" algn="l" defTabSz="914400" rtl="0" eaLnBrk="1" latinLnBrk="0" hangingPunct="1">
+              <a:defRPr sz="1800" kern="1200">
+                <a:solidFill>
+                  <a:schemeClr val="tx1"/>
+                </a:solidFill>
+                <a:latin typeface="+mn-lt"/>
+                <a:ea typeface="+mn-ea"/>
+                <a:cs typeface="+mn-cs"/>
+              </a:defRPr>
+            </a:lvl9pPr>
+          </a:lstStyle>
+          <a:p>
+            <a:pPr algn="ctr"/>
+            <a:r>
+              <a:rPr lang="en-US" sz="4800" dirty="0">
+                <a:solidFill>
+                  <a:schemeClr val="tx1"/>
+                </a:solidFill>
+              </a:rPr>
+              <a:t>Agenda, session details, lab information is available on this site:</a:t>
+            </a:r>
+          </a:p>
+          <a:p>
+            <a:pPr algn="ctr"/>
+            <a:r>
+              <a:rPr lang="en-US" sz="8800" dirty="0">
+                <a:solidFill>
+                  <a:schemeClr val="tx1"/>
+                </a:solidFill>
+                <a:hlinkClick r:id="rId3"/>
+              </a:rPr>
+              <a:t>bit.ly/aucklandgab19</a:t>
+            </a:r>
+            <a:endParaRPr lang="en-US" sz="8800" dirty="0">
+              <a:solidFill>
+                <a:schemeClr val="tx1"/>
+              </a:solidFill>
+            </a:endParaRPr>
+          </a:p>
+          <a:p>
+            <a:pPr algn="ctr"/>
+            <a:r>
+              <a:rPr lang="en-US" sz="8000" b="1" dirty="0">
+                <a:solidFill>
+                  <a:schemeClr val="tx1"/>
+                </a:solidFill>
+              </a:rPr>
+              <a:t>Please Bookmark it!</a:t>
+            </a:r>
+          </a:p>
+        </p:txBody>
+      </p:sp>
     </p:spTree>
     <p:extLst>
       <p:ext uri="{BB962C8B-B14F-4D97-AF65-F5344CB8AC3E}">
-        <p14:creationId xmlns:p14="http://schemas.microsoft.com/office/powerpoint/2010/main" val="3352746292"/>
+        <p14:creationId xmlns:p14="http://schemas.microsoft.com/office/powerpoint/2010/main" val="1014748323"/>
+      </p:ext>
+    </p:extLst>
+  </p:cSld>
+  <p:clrMapOvr>
+    <a:masterClrMapping/>
+  </p:clrMapOvr>
+  <mc:AlternateContent xmlns:mc="http://schemas.openxmlformats.org/markup-compatibility/2006" xmlns:p14="http://schemas.microsoft.com/office/powerpoint/2010/main">
+    <mc:Choice Requires="p14">
+      <p:transition spd="med" p14:dur="700" advTm="8000">
+        <p:fade/>
+      </p:transition>
+    </mc:Choice>
+    <mc:Fallback xmlns="">
+      <p:transition spd="med" advTm="8000">
+        <p:fade/>
+      </p:transition>
+    </mc:Fallback>
+  </mc:AlternateContent>
+</p:sld>
+</file>
+
+<file path=ppt/slides/slide5.xml><?xml version="1.0" encoding="utf-8"?>
+<p:sld xmlns:a="http://schemas.openxmlformats.org/drawingml/2006/main" xmlns:r="http://schemas.openxmlformats.org/officeDocument/2006/relationships" xmlns:p="http://schemas.openxmlformats.org/presentationml/2006/main">
+  <p:cSld>
+    <p:spTree>
+      <p:nvGrpSpPr>
+        <p:cNvPr id="1" name=""/>
+        <p:cNvGrpSpPr/>
+        <p:nvPr/>
+      </p:nvGrpSpPr>
+      <p:grpSpPr>
+        <a:xfrm>
+          <a:off x="0" y="0"/>
+          <a:ext cx="0" cy="0"/>
+          <a:chOff x="0" y="0"/>
+          <a:chExt cx="0" cy="0"/>
+        </a:xfrm>
+      </p:grpSpPr>
+      <p:sp>
+        <p:nvSpPr>
+          <p:cNvPr id="3" name="Title 1"/>
+          <p:cNvSpPr txBox="1">
+            <a:spLocks/>
+          </p:cNvSpPr>
+          <p:nvPr/>
+        </p:nvSpPr>
+        <p:spPr>
+          <a:xfrm>
+            <a:off x="2040982" y="206332"/>
+            <a:ext cx="10604474" cy="747897"/>
+          </a:xfrm>
+          <a:prstGeom prst="rect">
+            <a:avLst/>
+          </a:prstGeom>
+        </p:spPr>
+        <p:txBody>
+          <a:bodyPr/>
+          <a:lstStyle>
+            <a:lvl1pPr algn="l" defTabSz="914400" rtl="0" eaLnBrk="1" latinLnBrk="0" hangingPunct="1">
+              <a:lnSpc>
+                <a:spcPct val="90000"/>
+              </a:lnSpc>
+              <a:spcBef>
+                <a:spcPct val="0"/>
+              </a:spcBef>
+              <a:buNone/>
+              <a:defRPr sz="4400" kern="1200">
+                <a:solidFill>
+                  <a:schemeClr val="tx1"/>
+                </a:solidFill>
+                <a:latin typeface="+mj-lt"/>
+                <a:ea typeface="+mj-ea"/>
+                <a:cs typeface="+mj-cs"/>
+              </a:defRPr>
+            </a:lvl1pPr>
+          </a:lstStyle>
+          <a:p>
+            <a:r>
+              <a:rPr lang="en-US" dirty="0"/>
+              <a:t>2019 GAB Auckland Catering</a:t>
+            </a:r>
+          </a:p>
+        </p:txBody>
+      </p:sp>
+      <p:pic>
+        <p:nvPicPr>
+          <p:cNvPr id="4" name="Picture 2" descr="https://global.azurebootcamp.net/wp-content/uploads/2018/09/logo-2019-250x222.png"/>
+          <p:cNvPicPr>
+            <a:picLocks noChangeAspect="1" noChangeArrowheads="1"/>
+          </p:cNvPicPr>
+          <p:nvPr/>
+        </p:nvPicPr>
+        <p:blipFill>
+          <a:blip r:embed="rId2">
+            <a:extLst>
+              <a:ext uri="{28A0092B-C50C-407E-A947-70E740481C1C}">
+                <a14:useLocalDpi xmlns:a14="http://schemas.microsoft.com/office/drawing/2010/main" val="0"/>
+              </a:ext>
+            </a:extLst>
+          </a:blip>
+          <a:srcRect/>
+          <a:stretch>
+            <a:fillRect/>
+          </a:stretch>
+        </p:blipFill>
+        <p:spPr bwMode="auto">
+          <a:xfrm>
+            <a:off x="142412" y="-93455"/>
+            <a:ext cx="1517423" cy="1347472"/>
+          </a:xfrm>
+          <a:prstGeom prst="rect">
+            <a:avLst/>
+          </a:prstGeom>
+          <a:noFill/>
+          <a:extLst>
+            <a:ext uri="{909E8E84-426E-40DD-AFC4-6F175D3DCCD1}">
+              <a14:hiddenFill xmlns:a14="http://schemas.microsoft.com/office/drawing/2010/main">
+                <a:solidFill>
+                  <a:srgbClr val="FFFFFF"/>
+                </a:solidFill>
+              </a14:hiddenFill>
+            </a:ext>
+          </a:extLst>
+        </p:spPr>
+      </p:pic>
+      <p:sp>
+        <p:nvSpPr>
+          <p:cNvPr id="6" name="Text Placeholder 5">
+            <a:extLst>
+              <a:ext uri="{FF2B5EF4-FFF2-40B4-BE49-F238E27FC236}">
+                <a16:creationId xmlns:a16="http://schemas.microsoft.com/office/drawing/2014/main" id="{F2C10BA2-1AD3-422A-981A-4302032501E7}"/>
+              </a:ext>
+            </a:extLst>
+          </p:cNvPr>
+          <p:cNvSpPr txBox="1">
+            <a:spLocks/>
+          </p:cNvSpPr>
+          <p:nvPr/>
+        </p:nvSpPr>
+        <p:spPr>
+          <a:xfrm>
+            <a:off x="668198" y="1657328"/>
+            <a:ext cx="10051154" cy="3988784"/>
+          </a:xfrm>
+          <a:prstGeom prst="rect">
+            <a:avLst/>
+          </a:prstGeom>
+        </p:spPr>
+        <p:txBody>
+          <a:bodyPr vert="horz" lIns="91440" tIns="45720" rIns="91440" bIns="45720" rtlCol="0" anchor="t"/>
+          <a:lstStyle>
+            <a:defPPr>
+              <a:defRPr lang="en-US"/>
+            </a:defPPr>
+            <a:lvl1pPr marL="0" algn="l" defTabSz="914400" rtl="0" eaLnBrk="1" latinLnBrk="0" hangingPunct="1">
+              <a:defRPr sz="1200" kern="1200">
+                <a:solidFill>
+                  <a:schemeClr val="tx1">
+                    <a:tint val="75000"/>
+                  </a:schemeClr>
+                </a:solidFill>
+                <a:latin typeface="+mn-lt"/>
+                <a:ea typeface="+mn-ea"/>
+                <a:cs typeface="+mn-cs"/>
+              </a:defRPr>
+            </a:lvl1pPr>
+            <a:lvl2pPr marL="457200" algn="l" defTabSz="914400" rtl="0" eaLnBrk="1" latinLnBrk="0" hangingPunct="1">
+              <a:defRPr sz="1800" kern="1200">
+                <a:solidFill>
+                  <a:schemeClr val="tx1"/>
+                </a:solidFill>
+                <a:latin typeface="+mn-lt"/>
+                <a:ea typeface="+mn-ea"/>
+                <a:cs typeface="+mn-cs"/>
+              </a:defRPr>
+            </a:lvl2pPr>
+            <a:lvl3pPr marL="914400" algn="l" defTabSz="914400" rtl="0" eaLnBrk="1" latinLnBrk="0" hangingPunct="1">
+              <a:defRPr sz="1800" kern="1200">
+                <a:solidFill>
+                  <a:schemeClr val="tx1"/>
+                </a:solidFill>
+                <a:latin typeface="+mn-lt"/>
+                <a:ea typeface="+mn-ea"/>
+                <a:cs typeface="+mn-cs"/>
+              </a:defRPr>
+            </a:lvl3pPr>
+            <a:lvl4pPr marL="1371600" algn="l" defTabSz="914400" rtl="0" eaLnBrk="1" latinLnBrk="0" hangingPunct="1">
+              <a:defRPr sz="1800" kern="1200">
+                <a:solidFill>
+                  <a:schemeClr val="tx1"/>
+                </a:solidFill>
+                <a:latin typeface="+mn-lt"/>
+                <a:ea typeface="+mn-ea"/>
+                <a:cs typeface="+mn-cs"/>
+              </a:defRPr>
+            </a:lvl4pPr>
+            <a:lvl5pPr marL="1828800" algn="l" defTabSz="914400" rtl="0" eaLnBrk="1" latinLnBrk="0" hangingPunct="1">
+              <a:defRPr sz="1800" kern="1200">
+                <a:solidFill>
+                  <a:schemeClr val="tx1"/>
+                </a:solidFill>
+                <a:latin typeface="+mn-lt"/>
+                <a:ea typeface="+mn-ea"/>
+                <a:cs typeface="+mn-cs"/>
+              </a:defRPr>
+            </a:lvl5pPr>
+            <a:lvl6pPr marL="2286000" algn="l" defTabSz="914400" rtl="0" eaLnBrk="1" latinLnBrk="0" hangingPunct="1">
+              <a:defRPr sz="1800" kern="1200">
+                <a:solidFill>
+                  <a:schemeClr val="tx1"/>
+                </a:solidFill>
+                <a:latin typeface="+mn-lt"/>
+                <a:ea typeface="+mn-ea"/>
+                <a:cs typeface="+mn-cs"/>
+              </a:defRPr>
+            </a:lvl6pPr>
+            <a:lvl7pPr marL="2743200" algn="l" defTabSz="914400" rtl="0" eaLnBrk="1" latinLnBrk="0" hangingPunct="1">
+              <a:defRPr sz="1800" kern="1200">
+                <a:solidFill>
+                  <a:schemeClr val="tx1"/>
+                </a:solidFill>
+                <a:latin typeface="+mn-lt"/>
+                <a:ea typeface="+mn-ea"/>
+                <a:cs typeface="+mn-cs"/>
+              </a:defRPr>
+            </a:lvl7pPr>
+            <a:lvl8pPr marL="3200400" algn="l" defTabSz="914400" rtl="0" eaLnBrk="1" latinLnBrk="0" hangingPunct="1">
+              <a:defRPr sz="1800" kern="1200">
+                <a:solidFill>
+                  <a:schemeClr val="tx1"/>
+                </a:solidFill>
+                <a:latin typeface="+mn-lt"/>
+                <a:ea typeface="+mn-ea"/>
+                <a:cs typeface="+mn-cs"/>
+              </a:defRPr>
+            </a:lvl8pPr>
+            <a:lvl9pPr marL="3657600" algn="l" defTabSz="914400" rtl="0" eaLnBrk="1" latinLnBrk="0" hangingPunct="1">
+              <a:defRPr sz="1800" kern="1200">
+                <a:solidFill>
+                  <a:schemeClr val="tx1"/>
+                </a:solidFill>
+                <a:latin typeface="+mn-lt"/>
+                <a:ea typeface="+mn-ea"/>
+                <a:cs typeface="+mn-cs"/>
+              </a:defRPr>
+            </a:lvl9pPr>
+          </a:lstStyle>
+          <a:p>
+            <a:pPr algn="ctr"/>
+            <a:endParaRPr lang="en-US" sz="8000" b="1" dirty="0">
+              <a:solidFill>
+                <a:schemeClr val="tx1"/>
+              </a:solidFill>
+            </a:endParaRPr>
+          </a:p>
+        </p:txBody>
+      </p:sp>
+      <p:sp>
+        <p:nvSpPr>
+          <p:cNvPr id="2" name="Rectangle 1">
+            <a:extLst>
+              <a:ext uri="{FF2B5EF4-FFF2-40B4-BE49-F238E27FC236}">
+                <a16:creationId xmlns:a16="http://schemas.microsoft.com/office/drawing/2014/main" id="{3C4DAF49-38CA-4DC5-ADA4-DD994C898D0E}"/>
+              </a:ext>
+            </a:extLst>
+          </p:cNvPr>
+          <p:cNvSpPr/>
+          <p:nvPr/>
+        </p:nvSpPr>
+        <p:spPr>
+          <a:xfrm>
+            <a:off x="5693775" y="6211669"/>
+            <a:ext cx="3006180" cy="646331"/>
+          </a:xfrm>
+          <a:prstGeom prst="rect">
+            <a:avLst/>
+          </a:prstGeom>
+        </p:spPr>
+        <p:txBody>
+          <a:bodyPr wrap="square">
+            <a:spAutoFit/>
+          </a:bodyPr>
+          <a:lstStyle/>
+          <a:p>
+            <a:r>
+              <a:rPr lang="en-US" dirty="0"/>
+              <a:t>Catering is kindly provided by</a:t>
+            </a:r>
+          </a:p>
+          <a:p>
+            <a:endParaRPr lang="en-US" dirty="0"/>
+          </a:p>
+        </p:txBody>
+      </p:sp>
+      <p:pic>
+        <p:nvPicPr>
+          <p:cNvPr id="7" name="Picture 6">
+            <a:extLst>
+              <a:ext uri="{FF2B5EF4-FFF2-40B4-BE49-F238E27FC236}">
+                <a16:creationId xmlns:a16="http://schemas.microsoft.com/office/drawing/2014/main" id="{BCFEC969-8945-45A7-92E0-DD161FD1506B}"/>
+              </a:ext>
+            </a:extLst>
+          </p:cNvPr>
+          <p:cNvPicPr>
+            <a:picLocks noChangeAspect="1"/>
+          </p:cNvPicPr>
+          <p:nvPr/>
+        </p:nvPicPr>
+        <p:blipFill>
+          <a:blip r:embed="rId3" cstate="print">
+            <a:extLst>
+              <a:ext uri="{28A0092B-C50C-407E-A947-70E740481C1C}">
+                <a14:useLocalDpi xmlns:a14="http://schemas.microsoft.com/office/drawing/2010/main" val="0"/>
+              </a:ext>
+            </a:extLst>
+          </a:blip>
+          <a:stretch>
+            <a:fillRect/>
+          </a:stretch>
+        </p:blipFill>
+        <p:spPr>
+          <a:xfrm>
+            <a:off x="8480899" y="5724255"/>
+            <a:ext cx="3389523" cy="1133745"/>
+          </a:xfrm>
+          <a:prstGeom prst="rect">
+            <a:avLst/>
+          </a:prstGeom>
+        </p:spPr>
+      </p:pic>
+      <p:sp>
+        <p:nvSpPr>
+          <p:cNvPr id="5" name="Rectangle 4">
+            <a:extLst>
+              <a:ext uri="{FF2B5EF4-FFF2-40B4-BE49-F238E27FC236}">
+                <a16:creationId xmlns:a16="http://schemas.microsoft.com/office/drawing/2014/main" id="{8C1C4528-C60A-4514-AAEF-C33A4BB70D72}"/>
+              </a:ext>
+            </a:extLst>
+          </p:cNvPr>
+          <p:cNvSpPr/>
+          <p:nvPr/>
+        </p:nvSpPr>
+        <p:spPr>
+          <a:xfrm>
+            <a:off x="729842" y="1657328"/>
+            <a:ext cx="10604474" cy="3477875"/>
+          </a:xfrm>
+          <a:prstGeom prst="rect">
+            <a:avLst/>
+          </a:prstGeom>
+        </p:spPr>
+        <p:txBody>
+          <a:bodyPr wrap="square">
+            <a:spAutoFit/>
+          </a:bodyPr>
+          <a:lstStyle/>
+          <a:p>
+            <a:pPr marL="285750" indent="-285750">
+              <a:buFont typeface="Arial" panose="020B0604020202020204" pitchFamily="34" charset="0"/>
+              <a:buChar char="•"/>
+            </a:pPr>
+            <a:r>
+              <a:rPr lang="en-US" sz="2800" dirty="0"/>
+              <a:t>Morning Tea: One pastry each</a:t>
+            </a:r>
+          </a:p>
+          <a:p>
+            <a:pPr marL="285750" indent="-285750">
+              <a:buFont typeface="Arial" panose="020B0604020202020204" pitchFamily="34" charset="0"/>
+              <a:buChar char="•"/>
+            </a:pPr>
+            <a:r>
+              <a:rPr lang="en-US" sz="2800" dirty="0"/>
+              <a:t>Light Lunch</a:t>
+            </a:r>
+          </a:p>
+          <a:p>
+            <a:pPr marL="285750" indent="-285750">
+              <a:buFont typeface="Arial" panose="020B0604020202020204" pitchFamily="34" charset="0"/>
+              <a:buChar char="•"/>
+            </a:pPr>
+            <a:r>
+              <a:rPr lang="en-US" sz="2800" dirty="0"/>
+              <a:t>Afternoon Tea: Not provided</a:t>
+            </a:r>
+          </a:p>
+          <a:p>
+            <a:pPr marL="285750" indent="-285750">
+              <a:buFont typeface="Arial" panose="020B0604020202020204" pitchFamily="34" charset="0"/>
+              <a:buChar char="•"/>
+            </a:pPr>
+            <a:r>
+              <a:rPr lang="en-US" sz="2800" dirty="0"/>
+              <a:t>All day tea and coffee. </a:t>
+            </a:r>
+          </a:p>
+          <a:p>
+            <a:endParaRPr lang="en-US" dirty="0"/>
+          </a:p>
+          <a:p>
+            <a:r>
+              <a:rPr lang="en-US" dirty="0"/>
+              <a:t>One pastry and one lunch item per person please as there is no extra!</a:t>
+            </a:r>
+          </a:p>
+          <a:p>
+            <a:endParaRPr lang="en-US" dirty="0"/>
+          </a:p>
+          <a:p>
+            <a:r>
+              <a:rPr lang="en-US" b="1" dirty="0"/>
+              <a:t>If you specified a dietary requirement, your food will have your name on it. </a:t>
+            </a:r>
+          </a:p>
+          <a:p>
+            <a:endParaRPr lang="en-US" dirty="0"/>
+          </a:p>
+          <a:p>
+            <a:r>
+              <a:rPr lang="en-US" dirty="0"/>
+              <a:t>We have done our best to meet your requirements.</a:t>
+            </a:r>
+            <a:endParaRPr lang="en-NZ" dirty="0"/>
+          </a:p>
+        </p:txBody>
+      </p:sp>
+    </p:spTree>
+    <p:extLst>
+      <p:ext uri="{BB962C8B-B14F-4D97-AF65-F5344CB8AC3E}">
+        <p14:creationId xmlns:p14="http://schemas.microsoft.com/office/powerpoint/2010/main" val="2874643838"/>
       </p:ext>
     </p:extLst>
   </p:cSld>
@@ -4947,7 +5134,15 @@
           <a:p>
             <a:r>
               <a:rPr lang="en-US" dirty="0"/>
-              <a:t>2019 GAB Auckland Information Site</a:t>
+              <a:t>2019 </a:t>
+            </a:r>
+            <a:r>
+              <a:rPr lang="en-US"/>
+              <a:t>GAB Auckland </a:t>
+            </a:r>
+            <a:r>
+              <a:rPr lang="en-US" dirty="0"/>
+              <a:t>Agenda</a:t>
             </a:r>
           </a:p>
         </p:txBody>
@@ -5117,298 +5312,6 @@
           </a:lstStyle>
           <a:p>
             <a:pPr algn="ctr"/>
-            <a:r>
-              <a:rPr lang="en-US" sz="4800" dirty="0">
-                <a:solidFill>
-                  <a:schemeClr val="tx1"/>
-                </a:solidFill>
-              </a:rPr>
-              <a:t>Agenda, session details, lab information is available on this site:</a:t>
-            </a:r>
-          </a:p>
-          <a:p>
-            <a:pPr algn="ctr"/>
-            <a:r>
-              <a:rPr lang="en-US" sz="8800" dirty="0">
-                <a:solidFill>
-                  <a:schemeClr val="tx1"/>
-                </a:solidFill>
-                <a:hlinkClick r:id="rId3"/>
-              </a:rPr>
-              <a:t>bit.ly/aucklandgab19</a:t>
-            </a:r>
-            <a:endParaRPr lang="en-US" sz="8800" dirty="0">
-              <a:solidFill>
-                <a:schemeClr val="tx1"/>
-              </a:solidFill>
-            </a:endParaRPr>
-          </a:p>
-          <a:p>
-            <a:pPr algn="ctr"/>
-            <a:r>
-              <a:rPr lang="en-US" sz="8000" b="1" dirty="0">
-                <a:solidFill>
-                  <a:schemeClr val="tx1"/>
-                </a:solidFill>
-              </a:rPr>
-              <a:t>Please Bookmark it!</a:t>
-            </a:r>
-          </a:p>
-        </p:txBody>
-      </p:sp>
-    </p:spTree>
-    <p:extLst>
-      <p:ext uri="{BB962C8B-B14F-4D97-AF65-F5344CB8AC3E}">
-        <p14:creationId xmlns:p14="http://schemas.microsoft.com/office/powerpoint/2010/main" val="1014748323"/>
-      </p:ext>
-    </p:extLst>
-  </p:cSld>
-  <p:clrMapOvr>
-    <a:masterClrMapping/>
-  </p:clrMapOvr>
-  <mc:AlternateContent xmlns:mc="http://schemas.openxmlformats.org/markup-compatibility/2006" xmlns:p14="http://schemas.microsoft.com/office/powerpoint/2010/main">
-    <mc:Choice Requires="p14">
-      <p:transition spd="med" p14:dur="700" advTm="8000">
-        <p:fade/>
-      </p:transition>
-    </mc:Choice>
-    <mc:Fallback xmlns="">
-      <p:transition spd="med" advTm="8000">
-        <p:fade/>
-      </p:transition>
-    </mc:Fallback>
-  </mc:AlternateContent>
-</p:sld>
-</file>
-
-<file path=ppt/slides/slide7.xml><?xml version="1.0" encoding="utf-8"?>
-<p:sld xmlns:a="http://schemas.openxmlformats.org/drawingml/2006/main" xmlns:r="http://schemas.openxmlformats.org/officeDocument/2006/relationships" xmlns:p="http://schemas.openxmlformats.org/presentationml/2006/main">
-  <p:cSld>
-    <p:spTree>
-      <p:nvGrpSpPr>
-        <p:cNvPr id="1" name=""/>
-        <p:cNvGrpSpPr/>
-        <p:nvPr/>
-      </p:nvGrpSpPr>
-      <p:grpSpPr>
-        <a:xfrm>
-          <a:off x="0" y="0"/>
-          <a:ext cx="0" cy="0"/>
-          <a:chOff x="0" y="0"/>
-          <a:chExt cx="0" cy="0"/>
-        </a:xfrm>
-      </p:grpSpPr>
-      <p:sp>
-        <p:nvSpPr>
-          <p:cNvPr id="3" name="Title 1"/>
-          <p:cNvSpPr txBox="1">
-            <a:spLocks/>
-          </p:cNvSpPr>
-          <p:nvPr/>
-        </p:nvSpPr>
-        <p:spPr>
-          <a:xfrm>
-            <a:off x="2040982" y="206332"/>
-            <a:ext cx="10604474" cy="747897"/>
-          </a:xfrm>
-          <a:prstGeom prst="rect">
-            <a:avLst/>
-          </a:prstGeom>
-        </p:spPr>
-        <p:txBody>
-          <a:bodyPr/>
-          <a:lstStyle>
-            <a:lvl1pPr algn="l" defTabSz="914400" rtl="0" eaLnBrk="1" latinLnBrk="0" hangingPunct="1">
-              <a:lnSpc>
-                <a:spcPct val="90000"/>
-              </a:lnSpc>
-              <a:spcBef>
-                <a:spcPct val="0"/>
-              </a:spcBef>
-              <a:buNone/>
-              <a:defRPr sz="4400" kern="1200">
-                <a:solidFill>
-                  <a:schemeClr val="tx1"/>
-                </a:solidFill>
-                <a:latin typeface="+mj-lt"/>
-                <a:ea typeface="+mj-ea"/>
-                <a:cs typeface="+mj-cs"/>
-              </a:defRPr>
-            </a:lvl1pPr>
-          </a:lstStyle>
-          <a:p>
-            <a:r>
-              <a:rPr lang="en-US" dirty="0"/>
-              <a:t>2019 GAB Auckland Catering</a:t>
-            </a:r>
-          </a:p>
-        </p:txBody>
-      </p:sp>
-      <p:pic>
-        <p:nvPicPr>
-          <p:cNvPr id="4" name="Picture 2" descr="https://global.azurebootcamp.net/wp-content/uploads/2018/09/logo-2019-250x222.png"/>
-          <p:cNvPicPr>
-            <a:picLocks noChangeAspect="1" noChangeArrowheads="1"/>
-          </p:cNvPicPr>
-          <p:nvPr/>
-        </p:nvPicPr>
-        <p:blipFill>
-          <a:blip r:embed="rId2">
-            <a:extLst>
-              <a:ext uri="{28A0092B-C50C-407E-A947-70E740481C1C}">
-                <a14:useLocalDpi xmlns:a14="http://schemas.microsoft.com/office/drawing/2010/main" val="0"/>
-              </a:ext>
-            </a:extLst>
-          </a:blip>
-          <a:srcRect/>
-          <a:stretch>
-            <a:fillRect/>
-          </a:stretch>
-        </p:blipFill>
-        <p:spPr bwMode="auto">
-          <a:xfrm>
-            <a:off x="142412" y="-93455"/>
-            <a:ext cx="1517423" cy="1347472"/>
-          </a:xfrm>
-          <a:prstGeom prst="rect">
-            <a:avLst/>
-          </a:prstGeom>
-          <a:noFill/>
-          <a:extLst>
-            <a:ext uri="{909E8E84-426E-40DD-AFC4-6F175D3DCCD1}">
-              <a14:hiddenFill xmlns:a14="http://schemas.microsoft.com/office/drawing/2010/main">
-                <a:solidFill>
-                  <a:srgbClr val="FFFFFF"/>
-                </a:solidFill>
-              </a14:hiddenFill>
-            </a:ext>
-          </a:extLst>
-        </p:spPr>
-      </p:pic>
-      <p:sp>
-        <p:nvSpPr>
-          <p:cNvPr id="6" name="Text Placeholder 5">
-            <a:extLst>
-              <a:ext uri="{FF2B5EF4-FFF2-40B4-BE49-F238E27FC236}">
-                <a16:creationId xmlns:a16="http://schemas.microsoft.com/office/drawing/2014/main" id="{F2C10BA2-1AD3-422A-981A-4302032501E7}"/>
-              </a:ext>
-            </a:extLst>
-          </p:cNvPr>
-          <p:cNvSpPr txBox="1">
-            <a:spLocks/>
-          </p:cNvSpPr>
-          <p:nvPr/>
-        </p:nvSpPr>
-        <p:spPr>
-          <a:xfrm>
-            <a:off x="668198" y="1657328"/>
-            <a:ext cx="10051154" cy="3988784"/>
-          </a:xfrm>
-          <a:prstGeom prst="rect">
-            <a:avLst/>
-          </a:prstGeom>
-        </p:spPr>
-        <p:txBody>
-          <a:bodyPr vert="horz" lIns="91440" tIns="45720" rIns="91440" bIns="45720" rtlCol="0" anchor="t"/>
-          <a:lstStyle>
-            <a:defPPr>
-              <a:defRPr lang="en-US"/>
-            </a:defPPr>
-            <a:lvl1pPr marL="0" algn="l" defTabSz="914400" rtl="0" eaLnBrk="1" latinLnBrk="0" hangingPunct="1">
-              <a:defRPr sz="1200" kern="1200">
-                <a:solidFill>
-                  <a:schemeClr val="tx1">
-                    <a:tint val="75000"/>
-                  </a:schemeClr>
-                </a:solidFill>
-                <a:latin typeface="+mn-lt"/>
-                <a:ea typeface="+mn-ea"/>
-                <a:cs typeface="+mn-cs"/>
-              </a:defRPr>
-            </a:lvl1pPr>
-            <a:lvl2pPr marL="457200" algn="l" defTabSz="914400" rtl="0" eaLnBrk="1" latinLnBrk="0" hangingPunct="1">
-              <a:defRPr sz="1800" kern="1200">
-                <a:solidFill>
-                  <a:schemeClr val="tx1"/>
-                </a:solidFill>
-                <a:latin typeface="+mn-lt"/>
-                <a:ea typeface="+mn-ea"/>
-                <a:cs typeface="+mn-cs"/>
-              </a:defRPr>
-            </a:lvl2pPr>
-            <a:lvl3pPr marL="914400" algn="l" defTabSz="914400" rtl="0" eaLnBrk="1" latinLnBrk="0" hangingPunct="1">
-              <a:defRPr sz="1800" kern="1200">
-                <a:solidFill>
-                  <a:schemeClr val="tx1"/>
-                </a:solidFill>
-                <a:latin typeface="+mn-lt"/>
-                <a:ea typeface="+mn-ea"/>
-                <a:cs typeface="+mn-cs"/>
-              </a:defRPr>
-            </a:lvl3pPr>
-            <a:lvl4pPr marL="1371600" algn="l" defTabSz="914400" rtl="0" eaLnBrk="1" latinLnBrk="0" hangingPunct="1">
-              <a:defRPr sz="1800" kern="1200">
-                <a:solidFill>
-                  <a:schemeClr val="tx1"/>
-                </a:solidFill>
-                <a:latin typeface="+mn-lt"/>
-                <a:ea typeface="+mn-ea"/>
-                <a:cs typeface="+mn-cs"/>
-              </a:defRPr>
-            </a:lvl4pPr>
-            <a:lvl5pPr marL="1828800" algn="l" defTabSz="914400" rtl="0" eaLnBrk="1" latinLnBrk="0" hangingPunct="1">
-              <a:defRPr sz="1800" kern="1200">
-                <a:solidFill>
-                  <a:schemeClr val="tx1"/>
-                </a:solidFill>
-                <a:latin typeface="+mn-lt"/>
-                <a:ea typeface="+mn-ea"/>
-                <a:cs typeface="+mn-cs"/>
-              </a:defRPr>
-            </a:lvl5pPr>
-            <a:lvl6pPr marL="2286000" algn="l" defTabSz="914400" rtl="0" eaLnBrk="1" latinLnBrk="0" hangingPunct="1">
-              <a:defRPr sz="1800" kern="1200">
-                <a:solidFill>
-                  <a:schemeClr val="tx1"/>
-                </a:solidFill>
-                <a:latin typeface="+mn-lt"/>
-                <a:ea typeface="+mn-ea"/>
-                <a:cs typeface="+mn-cs"/>
-              </a:defRPr>
-            </a:lvl6pPr>
-            <a:lvl7pPr marL="2743200" algn="l" defTabSz="914400" rtl="0" eaLnBrk="1" latinLnBrk="0" hangingPunct="1">
-              <a:defRPr sz="1800" kern="1200">
-                <a:solidFill>
-                  <a:schemeClr val="tx1"/>
-                </a:solidFill>
-                <a:latin typeface="+mn-lt"/>
-                <a:ea typeface="+mn-ea"/>
-                <a:cs typeface="+mn-cs"/>
-              </a:defRPr>
-            </a:lvl7pPr>
-            <a:lvl8pPr marL="3200400" algn="l" defTabSz="914400" rtl="0" eaLnBrk="1" latinLnBrk="0" hangingPunct="1">
-              <a:defRPr sz="1800" kern="1200">
-                <a:solidFill>
-                  <a:schemeClr val="tx1"/>
-                </a:solidFill>
-                <a:latin typeface="+mn-lt"/>
-                <a:ea typeface="+mn-ea"/>
-                <a:cs typeface="+mn-cs"/>
-              </a:defRPr>
-            </a:lvl8pPr>
-            <a:lvl9pPr marL="3657600" algn="l" defTabSz="914400" rtl="0" eaLnBrk="1" latinLnBrk="0" hangingPunct="1">
-              <a:defRPr sz="1800" kern="1200">
-                <a:solidFill>
-                  <a:schemeClr val="tx1"/>
-                </a:solidFill>
-                <a:latin typeface="+mn-lt"/>
-                <a:ea typeface="+mn-ea"/>
-                <a:cs typeface="+mn-cs"/>
-              </a:defRPr>
-            </a:lvl9pPr>
-          </a:lstStyle>
-          <a:p>
-            <a:pPr algn="ctr"/>
             <a:endParaRPr lang="en-US" sz="8000" b="1" dirty="0">
               <a:solidFill>
                 <a:schemeClr val="tx1"/>
@@ -5417,49 +5320,12 @@
           </a:p>
         </p:txBody>
       </p:sp>
-      <p:sp>
-        <p:nvSpPr>
-          <p:cNvPr id="2" name="Rectangle 1">
+      <p:pic>
+        <p:nvPicPr>
+          <p:cNvPr id="8" name="Picture 7">
             <a:extLst>
               <a:ext uri="{FF2B5EF4-FFF2-40B4-BE49-F238E27FC236}">
-                <a16:creationId xmlns:a16="http://schemas.microsoft.com/office/drawing/2014/main" id="{3C4DAF49-38CA-4DC5-ADA4-DD994C898D0E}"/>
-              </a:ext>
-            </a:extLst>
-          </p:cNvPr>
-          <p:cNvSpPr/>
-          <p:nvPr/>
-        </p:nvSpPr>
-        <p:spPr>
-          <a:xfrm>
-            <a:off x="5693775" y="6211669"/>
-            <a:ext cx="3006180" cy="646331"/>
-          </a:xfrm>
-          <a:prstGeom prst="rect">
-            <a:avLst/>
-          </a:prstGeom>
-        </p:spPr>
-        <p:txBody>
-          <a:bodyPr wrap="square">
-            <a:spAutoFit/>
-          </a:bodyPr>
-          <a:lstStyle/>
-          <a:p>
-            <a:r>
-              <a:rPr lang="en-US" dirty="0"/>
-              <a:t>Catering is kindly provided by</a:t>
-            </a:r>
-          </a:p>
-          <a:p>
-            <a:endParaRPr lang="en-US" dirty="0"/>
-          </a:p>
-        </p:txBody>
-      </p:sp>
-      <p:pic>
-        <p:nvPicPr>
-          <p:cNvPr id="7" name="Picture 6">
-            <a:extLst>
-              <a:ext uri="{FF2B5EF4-FFF2-40B4-BE49-F238E27FC236}">
-                <a16:creationId xmlns:a16="http://schemas.microsoft.com/office/drawing/2014/main" id="{BCFEC969-8945-45A7-92E0-DD161FD1506B}"/>
+                <a16:creationId xmlns:a16="http://schemas.microsoft.com/office/drawing/2014/main" id="{4BCDD0BA-0D63-4391-B25C-0382DC7B3147}"/>
               </a:ext>
             </a:extLst>
           </p:cNvPr>
@@ -5469,127 +5335,25 @@
           <p:nvPr/>
         </p:nvPicPr>
         <p:blipFill>
-          <a:blip r:embed="rId3" cstate="print">
-            <a:extLst>
-              <a:ext uri="{28A0092B-C50C-407E-A947-70E740481C1C}">
-                <a14:useLocalDpi xmlns:a14="http://schemas.microsoft.com/office/drawing/2010/main" val="0"/>
-              </a:ext>
-            </a:extLst>
-          </a:blip>
+          <a:blip r:embed="rId3"/>
           <a:stretch>
             <a:fillRect/>
           </a:stretch>
         </p:blipFill>
         <p:spPr>
           <a:xfrm>
-            <a:off x="8480899" y="5724255"/>
-            <a:ext cx="3389523" cy="1133745"/>
+            <a:off x="2145757" y="954229"/>
+            <a:ext cx="5607593" cy="5585631"/>
           </a:xfrm>
           <a:prstGeom prst="rect">
             <a:avLst/>
           </a:prstGeom>
         </p:spPr>
       </p:pic>
-      <p:sp>
-        <p:nvSpPr>
-          <p:cNvPr id="5" name="Rectangle 4">
-            <a:extLst>
-              <a:ext uri="{FF2B5EF4-FFF2-40B4-BE49-F238E27FC236}">
-                <a16:creationId xmlns:a16="http://schemas.microsoft.com/office/drawing/2014/main" id="{8C1C4528-C60A-4514-AAEF-C33A4BB70D72}"/>
-              </a:ext>
-            </a:extLst>
-          </p:cNvPr>
-          <p:cNvSpPr/>
-          <p:nvPr/>
-        </p:nvSpPr>
-        <p:spPr>
-          <a:xfrm>
-            <a:off x="729842" y="1657328"/>
-            <a:ext cx="10604474" cy="3477875"/>
-          </a:xfrm>
-          <a:prstGeom prst="rect">
-            <a:avLst/>
-          </a:prstGeom>
-        </p:spPr>
-        <p:txBody>
-          <a:bodyPr wrap="square">
-            <a:spAutoFit/>
-          </a:bodyPr>
-          <a:lstStyle/>
-          <a:p>
-            <a:pPr marL="285750" indent="-285750">
-              <a:buFont typeface="Arial" panose="020B0604020202020204" pitchFamily="34" charset="0"/>
-              <a:buChar char="•"/>
-            </a:pPr>
-            <a:r>
-              <a:rPr lang="en-US" sz="2800" dirty="0"/>
-              <a:t>Morning Tea: One pastry each</a:t>
-            </a:r>
-          </a:p>
-          <a:p>
-            <a:pPr marL="285750" indent="-285750">
-              <a:buFont typeface="Arial" panose="020B0604020202020204" pitchFamily="34" charset="0"/>
-              <a:buChar char="•"/>
-            </a:pPr>
-            <a:r>
-              <a:rPr lang="en-US" sz="2800" dirty="0"/>
-              <a:t>Light Lunch</a:t>
-            </a:r>
-          </a:p>
-          <a:p>
-            <a:pPr marL="285750" indent="-285750">
-              <a:buFont typeface="Arial" panose="020B0604020202020204" pitchFamily="34" charset="0"/>
-              <a:buChar char="•"/>
-            </a:pPr>
-            <a:r>
-              <a:rPr lang="en-US" sz="2800" dirty="0"/>
-              <a:t>Afternoon Tea: Not provided</a:t>
-            </a:r>
-          </a:p>
-          <a:p>
-            <a:pPr marL="285750" indent="-285750">
-              <a:buFont typeface="Arial" panose="020B0604020202020204" pitchFamily="34" charset="0"/>
-              <a:buChar char="•"/>
-            </a:pPr>
-            <a:r>
-              <a:rPr lang="en-US" sz="2800" dirty="0"/>
-              <a:t>All day tea and coffee. </a:t>
-            </a:r>
-          </a:p>
-          <a:p>
-            <a:endParaRPr lang="en-US" dirty="0"/>
-          </a:p>
-          <a:p>
-            <a:r>
-              <a:rPr lang="en-US" dirty="0"/>
-              <a:t>One pastry and one lunch item per person please as there is no extra!</a:t>
-            </a:r>
-          </a:p>
-          <a:p>
-            <a:endParaRPr lang="en-US" dirty="0"/>
-          </a:p>
-          <a:p>
-            <a:r>
-              <a:rPr lang="en-US" b="1" dirty="0"/>
-              <a:t>If you specified a dietary requirement, your food will have your name on it. </a:t>
-            </a:r>
-          </a:p>
-          <a:p>
-            <a:endParaRPr lang="en-US" dirty="0"/>
-          </a:p>
-          <a:p>
-            <a:r>
-              <a:rPr lang="en-US" dirty="0"/>
-              <a:t>We have done our best to meet your requirements.</a:t>
-            </a:r>
-            <a:endParaRPr lang="en-NZ" dirty="0"/>
-          </a:p>
-        </p:txBody>
-      </p:sp>
     </p:spTree>
     <p:extLst>
       <p:ext uri="{BB962C8B-B14F-4D97-AF65-F5344CB8AC3E}">
-        <p14:creationId xmlns:p14="http://schemas.microsoft.com/office/powerpoint/2010/main" val="2874643838"/>
+        <p14:creationId xmlns:p14="http://schemas.microsoft.com/office/powerpoint/2010/main" val="1483922322"/>
       </p:ext>
     </p:extLst>
   </p:cSld>
